--- a/Songs/Desert Song/Desert Song.pptx
+++ b/Songs/Desert Song/Desert Song.pptx
@@ -205,7 +205,7 @@
           <a:p>
             <a:fld id="{0BCED991-DCC2-4EF3-A9D1-FEDECA88FC06}" type="datetimeFigureOut">
               <a:rPr lang="en-AU" smtClean="0"/>
-              <a:t>27/10/2023</a:t>
+              <a:t>18/11/2023</a:t>
             </a:fld>
             <a:endParaRPr lang="en-AU"/>
           </a:p>
@@ -1607,7 +1607,7 @@
           <a:p>
             <a:fld id="{48A87A34-81AB-432B-8DAE-1953F412C126}" type="datetimeFigureOut">
               <a:rPr lang="en-US" smtClean="0"/>
-              <a:t>10/27/23</a:t>
+              <a:t>11/18/23</a:t>
             </a:fld>
             <a:endParaRPr lang="en-US" dirty="0"/>
           </a:p>
@@ -1778,7 +1778,7 @@
           <a:p>
             <a:fld id="{48A87A34-81AB-432B-8DAE-1953F412C126}" type="datetimeFigureOut">
               <a:rPr lang="en-US" smtClean="0"/>
-              <a:t>10/27/23</a:t>
+              <a:t>11/18/23</a:t>
             </a:fld>
             <a:endParaRPr lang="en-US" dirty="0"/>
           </a:p>
@@ -1959,7 +1959,7 @@
           <a:p>
             <a:fld id="{48A87A34-81AB-432B-8DAE-1953F412C126}" type="datetimeFigureOut">
               <a:rPr lang="en-US" smtClean="0"/>
-              <a:t>10/27/23</a:t>
+              <a:t>11/18/23</a:t>
             </a:fld>
             <a:endParaRPr lang="en-US" dirty="0"/>
           </a:p>
@@ -4787,7 +4787,7 @@
           <a:p>
             <a:fld id="{48A87A34-81AB-432B-8DAE-1953F412C126}" type="datetimeFigureOut">
               <a:rPr lang="en-US" smtClean="0"/>
-              <a:t>10/27/23</a:t>
+              <a:t>11/18/23</a:t>
             </a:fld>
             <a:endParaRPr lang="en-US" dirty="0"/>
           </a:p>
@@ -5056,7 +5056,7 @@
           <a:p>
             <a:fld id="{48A87A34-81AB-432B-8DAE-1953F412C126}" type="datetimeFigureOut">
               <a:rPr lang="en-US" smtClean="0"/>
-              <a:t>10/27/23</a:t>
+              <a:t>11/18/23</a:t>
             </a:fld>
             <a:endParaRPr lang="en-US" dirty="0"/>
           </a:p>
@@ -5289,7 +5289,7 @@
           <a:p>
             <a:fld id="{48A87A34-81AB-432B-8DAE-1953F412C126}" type="datetimeFigureOut">
               <a:rPr lang="en-US" smtClean="0"/>
-              <a:t>10/27/23</a:t>
+              <a:t>11/18/23</a:t>
             </a:fld>
             <a:endParaRPr lang="en-US" dirty="0"/>
           </a:p>
@@ -5650,7 +5650,7 @@
             <a:fld id="{48A87A34-81AB-432B-8DAE-1953F412C126}" type="datetimeFigureOut">
               <a:rPr lang="en-US" smtClean="0"/>
               <a:pPr/>
-              <a:t>10/27/23</a:t>
+              <a:t>11/18/23</a:t>
             </a:fld>
             <a:endParaRPr lang="en-US" dirty="0"/>
           </a:p>
@@ -5793,7 +5793,7 @@
           <a:p>
             <a:fld id="{48A87A34-81AB-432B-8DAE-1953F412C126}" type="datetimeFigureOut">
               <a:rPr lang="en-US" smtClean="0"/>
-              <a:t>10/27/23</a:t>
+              <a:t>11/18/23</a:t>
             </a:fld>
             <a:endParaRPr lang="en-US" dirty="0"/>
           </a:p>
@@ -5889,7 +5889,7 @@
           <a:p>
             <a:fld id="{48A87A34-81AB-432B-8DAE-1953F412C126}" type="datetimeFigureOut">
               <a:rPr lang="en-US" smtClean="0"/>
-              <a:t>10/27/23</a:t>
+              <a:t>11/18/23</a:t>
             </a:fld>
             <a:endParaRPr lang="en-US" dirty="0"/>
           </a:p>
@@ -6246,7 +6246,7 @@
           <a:p>
             <a:fld id="{48A87A34-81AB-432B-8DAE-1953F412C126}" type="datetimeFigureOut">
               <a:rPr lang="en-US" smtClean="0"/>
-              <a:t>10/27/23</a:t>
+              <a:t>11/18/23</a:t>
             </a:fld>
             <a:endParaRPr lang="en-US" dirty="0"/>
           </a:p>
@@ -6605,7 +6605,7 @@
             <a:fld id="{48A87A34-81AB-432B-8DAE-1953F412C126}" type="datetimeFigureOut">
               <a:rPr lang="en-US" smtClean="0"/>
               <a:pPr/>
-              <a:t>10/27/23</a:t>
+              <a:t>11/18/23</a:t>
             </a:fld>
             <a:endParaRPr lang="en-US" dirty="0"/>
           </a:p>
@@ -6849,7 +6849,7 @@
             <a:fld id="{48A87A34-81AB-432B-8DAE-1953F412C126}" type="datetimeFigureOut">
               <a:rPr lang="en-US" smtClean="0"/>
               <a:pPr/>
-              <a:t>10/27/23</a:t>
+              <a:t>11/18/23</a:t>
             </a:fld>
             <a:endParaRPr lang="en-US" dirty="0"/>
           </a:p>
@@ -7344,18 +7344,18 @@
               </a:spcBef>
             </a:pPr>
             <a:r>
-              <a:rPr lang="en-US" sz="3800"/>
-              <a:t>Desert Song</a:t>
+              <a:rPr lang="en-US" sz="3800" dirty="0"/>
+              <a:t>Desert song</a:t>
             </a:r>
           </a:p>
         </p:txBody>
       </p:sp>
       <p:pic>
         <p:nvPicPr>
-          <p:cNvPr id="1098" name="Picture 1097">
+          <p:cNvPr id="1099" name="Picture 1098" descr="Cactus in desert">
             <a:extLst>
               <a:ext uri="{FF2B5EF4-FFF2-40B4-BE49-F238E27FC236}">
-                <a16:creationId xmlns:a16="http://schemas.microsoft.com/office/drawing/2014/main" id="{1376911A-44FE-DC32-C998-4D3F30C01CCF}"/>
+                <a16:creationId xmlns:a16="http://schemas.microsoft.com/office/drawing/2014/main" id="{54266158-90EB-B116-B230-D0A82CF1FC25}"/>
               </a:ext>
             </a:extLst>
           </p:cNvPr>
@@ -7366,7 +7366,7 @@
         </p:nvPicPr>
         <p:blipFill rotWithShape="1">
           <a:blip r:embed="rId3"/>
-          <a:srcRect l="26803" r="35022"/>
+          <a:srcRect l="31093" r="30732"/>
           <a:stretch/>
         </p:blipFill>
         <p:spPr>
